--- a/Notes/L4._Introduction_to_SpringFramework.pptx
+++ b/Notes/L4._Introduction_to_SpringFramework.pptx
@@ -194,6 +194,10 @@
     </p:ext>
   </p:extLst>
 </p:presentation>
+</file>
+
+<file path=ppt/revisionInfo.xml><?xml version="1.0" encoding="utf-8"?>
+<p1510:revInfo xmlns:a="http://schemas.openxmlformats.org/drawingml/2006/main" xmlns:r="http://schemas.openxmlformats.org/officeDocument/2006/relationships" xmlns:p1510="http://schemas.microsoft.com/office/powerpoint/2015/10/main"/>
 </file>
 
 <file path=ppt/changesInfos/changesInfo1.xml><?xml version="1.0" encoding="utf-8"?>
@@ -399,7 +403,7 @@
           </ac:spMkLst>
         </pc:spChg>
         <pc:spChg chg="add">
-          <ac:chgData name="Harpreet Singh" userId="b7615e1f-42ac-4400-8034-6ddacde4db85" providerId="ADAL" clId="{78BF5B31-F5B9-B545-A450-EC3B6656E094}" dt="2018-06-01T03:15:12.662" v="1645"/>
+          <ac:chgData name="Harpreet Singh" userId="b7615e1f-42ac-4400-8034-6ddacde4db85" providerId="ADAL" clId="{78BF5B31-F5B9-B545-A450-EC3B6656E094}" dt="2018-06-01T03:15:12.662" v="1645" actId="113"/>
           <ac:spMkLst>
             <pc:docMk/>
             <pc:sldMk cId="2902741153" sldId="274"/>
@@ -452,7 +456,7 @@
           <pc:sldMk cId="3183392831" sldId="313"/>
         </pc:sldMkLst>
         <pc:spChg chg="mod">
-          <ac:chgData name="Harpreet Singh" userId="b7615e1f-42ac-4400-8034-6ddacde4db85" providerId="ADAL" clId="{78BF5B31-F5B9-B545-A450-EC3B6656E094}" dt="2018-06-01T01:18:12.400" v="87"/>
+          <ac:chgData name="Harpreet Singh" userId="b7615e1f-42ac-4400-8034-6ddacde4db85" providerId="ADAL" clId="{78BF5B31-F5B9-B545-A450-EC3B6656E094}" dt="2018-06-01T01:18:12.400" v="87" actId="20577"/>
           <ac:spMkLst>
             <pc:docMk/>
             <pc:sldMk cId="3183392831" sldId="313"/>
@@ -566,7 +570,7 @@
           <pc:sldMk cId="2536122259" sldId="341"/>
         </pc:sldMkLst>
         <pc:spChg chg="mod">
-          <ac:chgData name="Harpreet Singh" userId="b7615e1f-42ac-4400-8034-6ddacde4db85" providerId="ADAL" clId="{78BF5B31-F5B9-B545-A450-EC3B6656E094}" dt="2018-06-01T02:03:45.691" v="336"/>
+          <ac:chgData name="Harpreet Singh" userId="b7615e1f-42ac-4400-8034-6ddacde4db85" providerId="ADAL" clId="{78BF5B31-F5B9-B545-A450-EC3B6656E094}" dt="2018-06-01T02:03:45.691" v="336" actId="313"/>
           <ac:spMkLst>
             <pc:docMk/>
             <pc:sldMk cId="2536122259" sldId="341"/>
@@ -583,7 +587,7 @@
         </pc:spChg>
       </pc:sldChg>
       <pc:sldChg chg="add">
-        <pc:chgData name="Harpreet Singh" userId="b7615e1f-42ac-4400-8034-6ddacde4db85" providerId="ADAL" clId="{78BF5B31-F5B9-B545-A450-EC3B6656E094}" dt="2018-06-01T03:18:43.377" v="1695"/>
+        <pc:chgData name="Harpreet Singh" userId="b7615e1f-42ac-4400-8034-6ddacde4db85" providerId="ADAL" clId="{78BF5B31-F5B9-B545-A450-EC3B6656E094}" dt="2018-06-01T03:18:43.377" v="1695" actId="20577"/>
         <pc:sldMkLst>
           <pc:docMk/>
           <pc:sldMk cId="3285869193" sldId="342"/>
@@ -613,21 +617,21 @@
         </pc:spChg>
       </pc:sldChg>
       <pc:sldChg chg="add">
-        <pc:chgData name="Harpreet Singh" userId="b7615e1f-42ac-4400-8034-6ddacde4db85" providerId="ADAL" clId="{78BF5B31-F5B9-B545-A450-EC3B6656E094}" dt="2018-06-01T03:18:43.377" v="1695"/>
+        <pc:chgData name="Harpreet Singh" userId="b7615e1f-42ac-4400-8034-6ddacde4db85" providerId="ADAL" clId="{78BF5B31-F5B9-B545-A450-EC3B6656E094}" dt="2018-06-01T03:18:43.377" v="1695" actId="20577"/>
         <pc:sldMkLst>
           <pc:docMk/>
           <pc:sldMk cId="2452857472" sldId="344"/>
         </pc:sldMkLst>
       </pc:sldChg>
       <pc:sldChg chg="add">
-        <pc:chgData name="Harpreet Singh" userId="b7615e1f-42ac-4400-8034-6ddacde4db85" providerId="ADAL" clId="{78BF5B31-F5B9-B545-A450-EC3B6656E094}" dt="2018-06-01T03:18:43.377" v="1695"/>
+        <pc:chgData name="Harpreet Singh" userId="b7615e1f-42ac-4400-8034-6ddacde4db85" providerId="ADAL" clId="{78BF5B31-F5B9-B545-A450-EC3B6656E094}" dt="2018-06-01T03:18:43.377" v="1695" actId="20577"/>
         <pc:sldMkLst>
           <pc:docMk/>
           <pc:sldMk cId="3997917576" sldId="345"/>
         </pc:sldMkLst>
       </pc:sldChg>
       <pc:sldChg chg="add">
-        <pc:chgData name="Harpreet Singh" userId="b7615e1f-42ac-4400-8034-6ddacde4db85" providerId="ADAL" clId="{78BF5B31-F5B9-B545-A450-EC3B6656E094}" dt="2018-06-01T03:18:43.377" v="1695"/>
+        <pc:chgData name="Harpreet Singh" userId="b7615e1f-42ac-4400-8034-6ddacde4db85" providerId="ADAL" clId="{78BF5B31-F5B9-B545-A450-EC3B6656E094}" dt="2018-06-01T03:18:43.377" v="1695" actId="20577"/>
         <pc:sldMkLst>
           <pc:docMk/>
           <pc:sldMk cId="2612343415" sldId="346"/>
@@ -725,7 +729,7 @@
         </pc:spChg>
       </pc:sldChg>
       <pc:sldChg chg="modSp add">
-        <pc:chgData name="Harpreet Singh" userId="b7615e1f-42ac-4400-8034-6ddacde4db85" providerId="ADAL" clId="{78BF5B31-F5B9-B545-A450-EC3B6656E094}" dt="2018-06-01T02:47:03.049" v="1253"/>
+        <pc:chgData name="Harpreet Singh" userId="b7615e1f-42ac-4400-8034-6ddacde4db85" providerId="ADAL" clId="{78BF5B31-F5B9-B545-A450-EC3B6656E094}" dt="2018-06-01T02:47:03.049" v="1253" actId="20577"/>
         <pc:sldMkLst>
           <pc:docMk/>
           <pc:sldMk cId="3498232327" sldId="352"/>
@@ -739,7 +743,7 @@
           </ac:spMkLst>
         </pc:spChg>
         <pc:spChg chg="mod">
-          <ac:chgData name="Harpreet Singh" userId="b7615e1f-42ac-4400-8034-6ddacde4db85" providerId="ADAL" clId="{78BF5B31-F5B9-B545-A450-EC3B6656E094}" dt="2018-06-01T02:47:03.049" v="1253"/>
+          <ac:chgData name="Harpreet Singh" userId="b7615e1f-42ac-4400-8034-6ddacde4db85" providerId="ADAL" clId="{78BF5B31-F5B9-B545-A450-EC3B6656E094}" dt="2018-06-01T02:47:03.049" v="1253" actId="20577"/>
           <ac:spMkLst>
             <pc:docMk/>
             <pc:sldMk cId="3498232327" sldId="352"/>
@@ -810,7 +814,7 @@
         </pc:spChg>
       </pc:sldChg>
       <pc:sldChg chg="add">
-        <pc:chgData name="Harpreet Singh" userId="b7615e1f-42ac-4400-8034-6ddacde4db85" providerId="ADAL" clId="{78BF5B31-F5B9-B545-A450-EC3B6656E094}" dt="2018-06-01T03:18:43.377" v="1695"/>
+        <pc:chgData name="Harpreet Singh" userId="b7615e1f-42ac-4400-8034-6ddacde4db85" providerId="ADAL" clId="{78BF5B31-F5B9-B545-A450-EC3B6656E094}" dt="2018-06-01T03:18:43.377" v="1695" actId="20577"/>
         <pc:sldMkLst>
           <pc:docMk/>
           <pc:sldMk cId="1272986898" sldId="355"/>
@@ -900,7 +904,7 @@
           </ac:spMkLst>
         </pc:spChg>
         <pc:spChg chg="add del">
-          <ac:chgData name="Harpreet Singh" userId="b7615e1f-42ac-4400-8034-6ddacde4db85" providerId="ADAL" clId="{78BF5B31-F5B9-B545-A450-EC3B6656E094}" dt="2018-06-01T03:11:40.903" v="1605"/>
+          <ac:chgData name="Harpreet Singh" userId="b7615e1f-42ac-4400-8034-6ddacde4db85" providerId="ADAL" clId="{78BF5B31-F5B9-B545-A450-EC3B6656E094}" dt="2018-06-01T03:11:40.903" v="1605" actId="20577"/>
           <ac:spMkLst>
             <pc:docMk/>
             <pc:sldMk cId="3080773467" sldId="362"/>
@@ -908,7 +912,7 @@
           </ac:spMkLst>
         </pc:spChg>
         <pc:spChg chg="add del mod">
-          <ac:chgData name="Harpreet Singh" userId="b7615e1f-42ac-4400-8034-6ddacde4db85" providerId="ADAL" clId="{78BF5B31-F5B9-B545-A450-EC3B6656E094}" dt="2018-06-01T03:12:30.832" v="1613"/>
+          <ac:chgData name="Harpreet Singh" userId="b7615e1f-42ac-4400-8034-6ddacde4db85" providerId="ADAL" clId="{78BF5B31-F5B9-B545-A450-EC3B6656E094}" dt="2018-06-01T03:12:30.832" v="1613" actId="20577"/>
           <ac:spMkLst>
             <pc:docMk/>
             <pc:sldMk cId="3080773467" sldId="362"/>
@@ -924,7 +928,7 @@
           </ac:spMkLst>
         </pc:spChg>
         <pc:spChg chg="mod">
-          <ac:chgData name="Harpreet Singh" userId="b7615e1f-42ac-4400-8034-6ddacde4db85" providerId="ADAL" clId="{78BF5B31-F5B9-B545-A450-EC3B6656E094}" dt="2018-06-01T03:10:45.909" v="1590"/>
+          <ac:chgData name="Harpreet Singh" userId="b7615e1f-42ac-4400-8034-6ddacde4db85" providerId="ADAL" clId="{78BF5B31-F5B9-B545-A450-EC3B6656E094}" dt="2018-06-01T03:10:45.909" v="1590" actId="20577"/>
           <ac:spMkLst>
             <pc:docMk/>
             <pc:sldMk cId="3080773467" sldId="362"/>
@@ -1096,7 +1100,7 @@
           <a:p>
             <a:fld id="{57AB2CCF-6392-2341-9465-4940AB074509}" type="datetimeFigureOut">
               <a:rPr lang="en-US" smtClean="0"/>
-              <a:t>7/3/18</a:t>
+              <a:t>7/8/2018</a:t>
             </a:fld>
             <a:endParaRPr lang="en-US"/>
           </a:p>
@@ -1494,7 +1498,7 @@
           <a:p>
             <a:fld id="{B89177DB-0FD5-FF41-B742-A09290095789}" type="datetimeFigureOut">
               <a:rPr lang="en-US" smtClean="0"/>
-              <a:t>7/3/18</a:t>
+              <a:t>7/8/2018</a:t>
             </a:fld>
             <a:endParaRPr lang="en-US"/>
           </a:p>
@@ -1664,7 +1668,7 @@
           <a:p>
             <a:fld id="{B89177DB-0FD5-FF41-B742-A09290095789}" type="datetimeFigureOut">
               <a:rPr lang="en-US" smtClean="0"/>
-              <a:t>7/3/18</a:t>
+              <a:t>7/8/2018</a:t>
             </a:fld>
             <a:endParaRPr lang="en-US"/>
           </a:p>
@@ -1844,7 +1848,7 @@
           <a:p>
             <a:fld id="{B89177DB-0FD5-FF41-B742-A09290095789}" type="datetimeFigureOut">
               <a:rPr lang="en-US" smtClean="0"/>
-              <a:t>7/3/18</a:t>
+              <a:t>7/8/2018</a:t>
             </a:fld>
             <a:endParaRPr lang="en-US"/>
           </a:p>
@@ -2014,7 +2018,7 @@
           <a:p>
             <a:fld id="{B89177DB-0FD5-FF41-B742-A09290095789}" type="datetimeFigureOut">
               <a:rPr lang="en-US" smtClean="0"/>
-              <a:t>7/3/18</a:t>
+              <a:t>7/8/2018</a:t>
             </a:fld>
             <a:endParaRPr lang="en-US"/>
           </a:p>
@@ -2260,7 +2264,7 @@
           <a:p>
             <a:fld id="{B89177DB-0FD5-FF41-B742-A09290095789}" type="datetimeFigureOut">
               <a:rPr lang="en-US" smtClean="0"/>
-              <a:t>7/3/18</a:t>
+              <a:t>7/8/2018</a:t>
             </a:fld>
             <a:endParaRPr lang="en-US"/>
           </a:p>
@@ -2492,7 +2496,7 @@
           <a:p>
             <a:fld id="{B89177DB-0FD5-FF41-B742-A09290095789}" type="datetimeFigureOut">
               <a:rPr lang="en-US" smtClean="0"/>
-              <a:t>7/3/18</a:t>
+              <a:t>7/8/2018</a:t>
             </a:fld>
             <a:endParaRPr lang="en-US"/>
           </a:p>
@@ -2859,7 +2863,7 @@
           <a:p>
             <a:fld id="{B89177DB-0FD5-FF41-B742-A09290095789}" type="datetimeFigureOut">
               <a:rPr lang="en-US" smtClean="0"/>
-              <a:t>7/3/18</a:t>
+              <a:t>7/8/2018</a:t>
             </a:fld>
             <a:endParaRPr lang="en-US"/>
           </a:p>
@@ -2977,7 +2981,7 @@
           <a:p>
             <a:fld id="{B89177DB-0FD5-FF41-B742-A09290095789}" type="datetimeFigureOut">
               <a:rPr lang="en-US" smtClean="0"/>
-              <a:t>7/3/18</a:t>
+              <a:t>7/8/2018</a:t>
             </a:fld>
             <a:endParaRPr lang="en-US"/>
           </a:p>
@@ -3072,7 +3076,7 @@
           <a:p>
             <a:fld id="{B89177DB-0FD5-FF41-B742-A09290095789}" type="datetimeFigureOut">
               <a:rPr lang="en-US" smtClean="0"/>
-              <a:t>7/3/18</a:t>
+              <a:t>7/8/2018</a:t>
             </a:fld>
             <a:endParaRPr lang="en-US"/>
           </a:p>
@@ -3349,7 +3353,7 @@
           <a:p>
             <a:fld id="{B89177DB-0FD5-FF41-B742-A09290095789}" type="datetimeFigureOut">
               <a:rPr lang="en-US" smtClean="0"/>
-              <a:t>7/3/18</a:t>
+              <a:t>7/8/2018</a:t>
             </a:fld>
             <a:endParaRPr lang="en-US"/>
           </a:p>
@@ -3606,7 +3610,7 @@
           <a:p>
             <a:fld id="{B89177DB-0FD5-FF41-B742-A09290095789}" type="datetimeFigureOut">
               <a:rPr lang="en-US" smtClean="0"/>
-              <a:t>7/3/18</a:t>
+              <a:t>7/8/2018</a:t>
             </a:fld>
             <a:endParaRPr lang="en-US"/>
           </a:p>
@@ -3819,7 +3823,7 @@
           <a:p>
             <a:fld id="{B89177DB-0FD5-FF41-B742-A09290095789}" type="datetimeFigureOut">
               <a:rPr lang="en-US" smtClean="0"/>
-              <a:t>7/3/18</a:t>
+              <a:t>7/8/2018</a:t>
             </a:fld>
             <a:endParaRPr lang="en-US"/>
           </a:p>
@@ -8887,7 +8891,7 @@
           </a:lstStyle>
           <a:p>
             <a:r>
-              <a:rPr lang="en-CA" spc="-114"/>
+              <a:rPr lang="en-CA" spc="-114" dirty="0"/>
               <a:t>Example </a:t>
             </a:r>
             <a:r>
@@ -8896,18 +8900,18 @@
             </a:r>
             <a:r>
               <a:rPr lang="en-CA" spc="-80"/>
-              <a:t>Setter </a:t>
-            </a:r>
-            <a:r>
-              <a:rPr lang="en-CA" spc="-95"/>
+              <a:t>Constructor </a:t>
+            </a:r>
+            <a:r>
+              <a:rPr lang="en-CA" spc="-95" dirty="0"/>
               <a:t>Based</a:t>
             </a:r>
             <a:r>
-              <a:rPr lang="en-CA" spc="-475"/>
+              <a:rPr lang="en-CA" spc="-475" dirty="0"/>
               <a:t> </a:t>
             </a:r>
             <a:r>
-              <a:rPr lang="en-CA" spc="-90"/>
+              <a:rPr lang="en-CA" spc="-90" dirty="0"/>
               <a:t>Injection</a:t>
             </a:r>
             <a:endParaRPr lang="en-US" altLang="en-US" dirty="0"/>
